--- a/Bai 19 Chia cum van ban_p2.pptx
+++ b/Bai 19 Chia cum van ban_p2.pptx
@@ -157,7 +157,7 @@
   </p:defaultTextStyle>
   <p:extLst>
     <p:ext uri="{EFAFB233-063F-42B5-8137-9DF3F51BA10A}">
-      <p15:sldGuideLst xmlns:p15="http://schemas.microsoft.com/office/powerpoint/2012/main" xmlns="">
+      <p15:sldGuideLst xmlns="" xmlns:p15="http://schemas.microsoft.com/office/powerpoint/2012/main">
         <p15:guide id="1" orient="horz" pos="2160">
           <p15:clr>
             <a:srgbClr val="A4A3A4"/>
@@ -6767,11 +6767,7 @@
             <a:pPr algn="just" eaLnBrk="1" hangingPunct="1"/>
             <a:r>
               <a:rPr lang="vi-VN" sz="2800" smtClean="0"/>
-              <a:t>Bài </a:t>
-            </a:r>
-            <a:r>
-              <a:rPr lang="vi-VN" sz="2800" smtClean="0"/>
-              <a:t>19. </a:t>
+              <a:t>Bài 19. </a:t>
             </a:r>
             <a:r>
               <a:rPr lang="vi-VN" sz="2800" dirty="0" smtClean="0"/>
@@ -13517,7 +13513,11 @@
             <a:pPr eaLnBrk="1" hangingPunct="1"/>
             <a:r>
               <a:rPr lang="vi-VN" sz="3600" smtClean="0"/>
-              <a:t>Bài tập</a:t>
+              <a:t>Bài </a:t>
+            </a:r>
+            <a:r>
+              <a:rPr lang="vi-VN" sz="3600" smtClean="0"/>
+              <a:t>tập 19.1</a:t>
             </a:r>
             <a:endParaRPr lang="vi-VN" sz="3600" dirty="0" smtClean="0"/>
           </a:p>
@@ -13649,7 +13649,11 @@
             <a:pPr eaLnBrk="1" hangingPunct="1"/>
             <a:r>
               <a:rPr lang="vi-VN" sz="3600" smtClean="0"/>
-              <a:t>Bài tập (2)</a:t>
+              <a:t>Bài tập </a:t>
+            </a:r>
+            <a:r>
+              <a:rPr lang="vi-VN" sz="3600" smtClean="0"/>
+              <a:t>19.2</a:t>
             </a:r>
             <a:endParaRPr lang="vi-VN" sz="3600" dirty="0" smtClean="0"/>
           </a:p>
@@ -17071,7 +17075,7 @@
   </a:extraClrSchemeLst>
   <a:extLst>
     <a:ext uri="{05A4C25C-085E-4340-85A3-A5531E510DB2}">
-      <thm15:themeFamily xmlns:thm15="http://schemas.microsoft.com/office/thememl/2012/main" xmlns="" name="Office Theme" id="{62F939B6-93AF-4DB8-9C6B-D6C7DFDC589F}" vid="{4A3C46E8-61CC-4603-A589-7422A47A8E4A}"/>
+      <thm15:themeFamily xmlns="" xmlns:thm15="http://schemas.microsoft.com/office/thememl/2012/main" name="Office Theme" id="{62F939B6-93AF-4DB8-9C6B-D6C7DFDC589F}" vid="{4A3C46E8-61CC-4603-A589-7422A47A8E4A}"/>
     </a:ext>
   </a:extLst>
 </a:theme>
@@ -17332,7 +17336,7 @@
   <a:extraClrSchemeLst/>
   <a:extLst>
     <a:ext uri="{05A4C25C-085E-4340-85A3-A5531E510DB2}">
-      <thm15:themeFamily xmlns:thm15="http://schemas.microsoft.com/office/thememl/2012/main" xmlns="" name="Office Theme" id="{62F939B6-93AF-4DB8-9C6B-D6C7DFDC589F}" vid="{4A3C46E8-61CC-4603-A589-7422A47A8E4A}"/>
+      <thm15:themeFamily xmlns="" xmlns:thm15="http://schemas.microsoft.com/office/thememl/2012/main" name="Office Theme" id="{62F939B6-93AF-4DB8-9C6B-D6C7DFDC589F}" vid="{4A3C46E8-61CC-4603-A589-7422A47A8E4A}"/>
     </a:ext>
   </a:extLst>
 </a:theme>

--- a/Bai 19 Chia cum van ban_p2.pptx
+++ b/Bai 19 Chia cum van ban_p2.pptx
@@ -5,7 +5,7 @@
     <p:sldMasterId id="2147483652" r:id="rId1"/>
   </p:sldMasterIdLst>
   <p:notesMasterIdLst>
-    <p:notesMasterId r:id="rId21"/>
+    <p:notesMasterId r:id="rId22"/>
   </p:notesMasterIdLst>
   <p:sldIdLst>
     <p:sldId id="313" r:id="rId2"/>
@@ -26,7 +26,8 @@
     <p:sldId id="572" r:id="rId17"/>
     <p:sldId id="574" r:id="rId18"/>
     <p:sldId id="575" r:id="rId19"/>
-    <p:sldId id="418" r:id="rId20"/>
+    <p:sldId id="576" r:id="rId20"/>
+    <p:sldId id="418" r:id="rId21"/>
   </p:sldIdLst>
   <p:sldSz cx="9144000" cy="6858000" type="screen4x3"/>
   <p:notesSz cx="6858000" cy="9144000"/>
@@ -157,7 +158,7 @@
   </p:defaultTextStyle>
   <p:extLst>
     <p:ext uri="{EFAFB233-063F-42B5-8137-9DF3F51BA10A}">
-      <p15:sldGuideLst xmlns="" xmlns:p15="http://schemas.microsoft.com/office/powerpoint/2012/main">
+      <p15:sldGuideLst xmlns:p15="http://schemas.microsoft.com/office/powerpoint/2012/main" xmlns="">
         <p15:guide id="1" orient="horz" pos="2160">
           <p15:clr>
             <a:srgbClr val="A4A3A4"/>
@@ -13513,11 +13514,7 @@
             <a:pPr eaLnBrk="1" hangingPunct="1"/>
             <a:r>
               <a:rPr lang="vi-VN" sz="3600" smtClean="0"/>
-              <a:t>Bài </a:t>
-            </a:r>
-            <a:r>
-              <a:rPr lang="vi-VN" sz="3600" smtClean="0"/>
-              <a:t>tập 19.1</a:t>
+              <a:t>Bài tập 19.1</a:t>
             </a:r>
             <a:endParaRPr lang="vi-VN" sz="3600" dirty="0" smtClean="0"/>
           </a:p>
@@ -13548,8 +13545,8 @@
               <a:defRPr/>
             </a:pPr>
             <a:r>
-              <a:rPr lang="en-US" sz="2800" smtClean="0"/>
-              <a:t>Hai phương án thiết lập điều kiện dừng cho k-means  là: (1) kết quả gán văn bản với cụm không thay đổi; (2) tâm cụm không thay đổi. </a:t>
+              <a:rPr lang="en-US" sz="2800" noProof="1"/>
+              <a:t>Hai điều kiện dừng của giải thuận k-means: (i) kết quả phân cụm không thay đổi; (ii) tâm cụm không thay đổi.</a:t>
             </a:r>
           </a:p>
           <a:p>
@@ -13558,10 +13555,20 @@
               <a:defRPr/>
             </a:pPr>
             <a:r>
-              <a:rPr lang="en-US" sz="2800" smtClean="0"/>
-              <a:t>Hai điều kiện này có tương đương hay không (từ 1 suy ra 2 và từ 2 suy ra 1)?</a:t>
-            </a:r>
-            <a:endParaRPr lang="en-US" sz="2000" dirty="0" smtClean="0"/>
+              <a:rPr lang="en-US" sz="2800" noProof="1"/>
+              <a:t>Từ điều kiện (i) có suy ra được điều kiện (ii) hay không?</a:t>
+            </a:r>
+          </a:p>
+          <a:p>
+            <a:pPr marL="0" indent="0" algn="just" eaLnBrk="1" hangingPunct="1">
+              <a:buNone/>
+              <a:defRPr/>
+            </a:pPr>
+            <a:r>
+              <a:rPr lang="en-US" sz="2800" noProof="1"/>
+              <a:t>Từ điều kiện (ii) có suy ra được điều kiện (i) hay không?</a:t>
+            </a:r>
+            <a:endParaRPr lang="en-US" sz="2800" noProof="1"/>
           </a:p>
         </p:txBody>
       </p:sp>
@@ -13649,11 +13656,7 @@
             <a:pPr eaLnBrk="1" hangingPunct="1"/>
             <a:r>
               <a:rPr lang="vi-VN" sz="3600" smtClean="0"/>
-              <a:t>Bài tập </a:t>
-            </a:r>
-            <a:r>
-              <a:rPr lang="vi-VN" sz="3600" smtClean="0"/>
-              <a:t>19.2</a:t>
+              <a:t>Bài tập 19.2</a:t>
             </a:r>
             <a:endParaRPr lang="vi-VN" sz="3600" dirty="0" smtClean="0"/>
           </a:p>
@@ -13775,6 +13778,450 @@
 </file>
 
 <file path=ppt/slides/slide19.xml><?xml version="1.0" encoding="utf-8"?>
+<p:sld xmlns:a="http://schemas.openxmlformats.org/drawingml/2006/main" xmlns:r="http://schemas.openxmlformats.org/officeDocument/2006/relationships" xmlns:p="http://schemas.openxmlformats.org/presentationml/2006/main">
+  <p:cSld>
+    <p:spTree>
+      <p:nvGrpSpPr>
+        <p:cNvPr id="1" name=""/>
+        <p:cNvGrpSpPr/>
+        <p:nvPr/>
+      </p:nvGrpSpPr>
+      <p:grpSpPr>
+        <a:xfrm>
+          <a:off x="0" y="0"/>
+          <a:ext cx="0" cy="0"/>
+          <a:chOff x="0" y="0"/>
+          <a:chExt cx="0" cy="0"/>
+        </a:xfrm>
+      </p:grpSpPr>
+      <p:sp>
+        <p:nvSpPr>
+          <p:cNvPr id="6146" name="Rectangle 2"/>
+          <p:cNvSpPr>
+            <a:spLocks noGrp="1" noChangeArrowheads="1"/>
+          </p:cNvSpPr>
+          <p:nvPr>
+            <p:ph type="title"/>
+          </p:nvPr>
+        </p:nvSpPr>
+        <p:spPr/>
+        <p:txBody>
+          <a:bodyPr/>
+          <a:lstStyle/>
+          <a:p>
+            <a:pPr eaLnBrk="1" hangingPunct="1"/>
+            <a:r>
+              <a:rPr lang="vi-VN" sz="3600" smtClean="0"/>
+              <a:t>Bài tập </a:t>
+            </a:r>
+            <a:r>
+              <a:rPr lang="vi-VN" sz="3600" smtClean="0"/>
+              <a:t>19.3</a:t>
+            </a:r>
+            <a:endParaRPr lang="vi-VN" sz="3600" dirty="0" smtClean="0"/>
+          </a:p>
+        </p:txBody>
+      </p:sp>
+      <p:sp>
+        <p:nvSpPr>
+          <p:cNvPr id="6147" name="Rectangle 3"/>
+          <p:cNvSpPr>
+            <a:spLocks noGrp="1" noChangeArrowheads="1"/>
+          </p:cNvSpPr>
+          <p:nvPr>
+            <p:ph type="body" idx="1"/>
+          </p:nvPr>
+        </p:nvSpPr>
+        <p:spPr>
+          <a:xfrm>
+            <a:off x="611560" y="4869160"/>
+            <a:ext cx="8343528" cy="1263352"/>
+          </a:xfrm>
+        </p:spPr>
+        <p:txBody>
+          <a:bodyPr/>
+          <a:lstStyle/>
+          <a:p>
+            <a:pPr marL="0" indent="0" algn="just" eaLnBrk="1" hangingPunct="1">
+              <a:buNone/>
+              <a:defRPr/>
+            </a:pPr>
+            <a:r>
+              <a:rPr lang="en-US" sz="2000" smtClean="0"/>
+              <a:t>Hãy tính RSS cho kết quả chia cụm trong cả hai trường hợp.</a:t>
+            </a:r>
+            <a:endParaRPr lang="en-US" sz="2000" dirty="0" smtClean="0"/>
+          </a:p>
+        </p:txBody>
+      </p:sp>
+      <p:sp>
+        <p:nvSpPr>
+          <p:cNvPr id="2" name="Slide Number Placeholder 1"/>
+          <p:cNvSpPr>
+            <a:spLocks noGrp="1"/>
+          </p:cNvSpPr>
+          <p:nvPr>
+            <p:ph type="sldNum" sz="quarter" idx="12"/>
+          </p:nvPr>
+        </p:nvSpPr>
+        <p:spPr/>
+        <p:txBody>
+          <a:bodyPr/>
+          <a:lstStyle/>
+          <a:p>
+            <a:pPr>
+              <a:defRPr/>
+            </a:pPr>
+            <a:fld id="{A81E07A1-38DA-436E-9EB2-1E501CB9FFA7}" type="slidenum">
+              <a:rPr lang="vi-VN" smtClean="0"/>
+              <a:pPr>
+                <a:defRPr/>
+              </a:pPr>
+              <a:t>19</a:t>
+            </a:fld>
+            <a:endParaRPr lang="vi-VN"/>
+          </a:p>
+        </p:txBody>
+      </p:sp>
+      <p:pic>
+        <p:nvPicPr>
+          <p:cNvPr id="1026" name="Picture 2"/>
+          <p:cNvPicPr>
+            <a:picLocks noChangeAspect="1" noChangeArrowheads="1"/>
+          </p:cNvPicPr>
+          <p:nvPr/>
+        </p:nvPicPr>
+        <p:blipFill>
+          <a:blip r:embed="rId2">
+            <a:extLst>
+              <a:ext uri="{28A0092B-C50C-407E-A947-70E740481C1C}">
+                <a14:useLocalDpi xmlns:a14="http://schemas.microsoft.com/office/drawing/2010/main" val="0"/>
+              </a:ext>
+            </a:extLst>
+          </a:blip>
+          <a:srcRect/>
+          <a:stretch>
+            <a:fillRect/>
+          </a:stretch>
+        </p:blipFill>
+        <p:spPr bwMode="auto">
+          <a:xfrm>
+            <a:off x="683568" y="1916832"/>
+            <a:ext cx="3248025" cy="2647950"/>
+          </a:xfrm>
+          <a:prstGeom prst="rect">
+            <a:avLst/>
+          </a:prstGeom>
+          <a:noFill/>
+          <a:ln>
+            <a:noFill/>
+          </a:ln>
+          <a:extLst>
+            <a:ext uri="{909E8E84-426E-40DD-AFC4-6F175D3DCCD1}">
+              <a14:hiddenFill xmlns:a14="http://schemas.microsoft.com/office/drawing/2010/main">
+                <a:solidFill>
+                  <a:schemeClr val="accent1"/>
+                </a:solidFill>
+              </a14:hiddenFill>
+            </a:ext>
+            <a:ext uri="{91240B29-F687-4F45-9708-019B960494DF}">
+              <a14:hiddenLine xmlns:a14="http://schemas.microsoft.com/office/drawing/2010/main" w="9525">
+                <a:solidFill>
+                  <a:schemeClr val="tx1"/>
+                </a:solidFill>
+                <a:miter lim="800000"/>
+                <a:headEnd/>
+                <a:tailEnd/>
+              </a14:hiddenLine>
+            </a:ext>
+          </a:extLst>
+        </p:spPr>
+      </p:pic>
+      <p:pic>
+        <p:nvPicPr>
+          <p:cNvPr id="1027" name="Picture 3"/>
+          <p:cNvPicPr>
+            <a:picLocks noChangeAspect="1" noChangeArrowheads="1"/>
+          </p:cNvPicPr>
+          <p:nvPr/>
+        </p:nvPicPr>
+        <p:blipFill>
+          <a:blip r:embed="rId3">
+            <a:extLst>
+              <a:ext uri="{28A0092B-C50C-407E-A947-70E740481C1C}">
+                <a14:useLocalDpi xmlns:a14="http://schemas.microsoft.com/office/drawing/2010/main" val="0"/>
+              </a:ext>
+            </a:extLst>
+          </a:blip>
+          <a:srcRect/>
+          <a:stretch>
+            <a:fillRect/>
+          </a:stretch>
+        </p:blipFill>
+        <p:spPr bwMode="auto">
+          <a:xfrm>
+            <a:off x="5220072" y="2420888"/>
+            <a:ext cx="2543175" cy="323850"/>
+          </a:xfrm>
+          <a:prstGeom prst="rect">
+            <a:avLst/>
+          </a:prstGeom>
+          <a:noFill/>
+          <a:ln>
+            <a:noFill/>
+          </a:ln>
+          <a:extLst>
+            <a:ext uri="{909E8E84-426E-40DD-AFC4-6F175D3DCCD1}">
+              <a14:hiddenFill xmlns:a14="http://schemas.microsoft.com/office/drawing/2010/main">
+                <a:solidFill>
+                  <a:schemeClr val="accent1"/>
+                </a:solidFill>
+              </a14:hiddenFill>
+            </a:ext>
+            <a:ext uri="{91240B29-F687-4F45-9708-019B960494DF}">
+              <a14:hiddenLine xmlns:a14="http://schemas.microsoft.com/office/drawing/2010/main" w="9525">
+                <a:solidFill>
+                  <a:schemeClr val="tx1"/>
+                </a:solidFill>
+                <a:miter lim="800000"/>
+                <a:headEnd/>
+                <a:tailEnd/>
+              </a14:hiddenLine>
+            </a:ext>
+          </a:extLst>
+        </p:spPr>
+      </p:pic>
+      <p:pic>
+        <p:nvPicPr>
+          <p:cNvPr id="1028" name="Picture 4"/>
+          <p:cNvPicPr>
+            <a:picLocks noChangeAspect="1" noChangeArrowheads="1"/>
+          </p:cNvPicPr>
+          <p:nvPr/>
+        </p:nvPicPr>
+        <p:blipFill rotWithShape="1">
+          <a:blip r:embed="rId4">
+            <a:extLst>
+              <a:ext uri="{28A0092B-C50C-407E-A947-70E740481C1C}">
+                <a14:useLocalDpi xmlns:a14="http://schemas.microsoft.com/office/drawing/2010/main" val="0"/>
+              </a:ext>
+            </a:extLst>
+          </a:blip>
+          <a:srcRect/>
+          <a:stretch/>
+        </p:blipFill>
+        <p:spPr bwMode="auto">
+          <a:xfrm>
+            <a:off x="5162922" y="3054594"/>
+            <a:ext cx="2600325" cy="333375"/>
+          </a:xfrm>
+          <a:prstGeom prst="rect">
+            <a:avLst/>
+          </a:prstGeom>
+          <a:noFill/>
+          <a:ln>
+            <a:noFill/>
+          </a:ln>
+          <a:extLst>
+            <a:ext uri="{909E8E84-426E-40DD-AFC4-6F175D3DCCD1}">
+              <a14:hiddenFill xmlns:a14="http://schemas.microsoft.com/office/drawing/2010/main">
+                <a:solidFill>
+                  <a:schemeClr val="accent1"/>
+                </a:solidFill>
+              </a14:hiddenFill>
+            </a:ext>
+            <a:ext uri="{91240B29-F687-4F45-9708-019B960494DF}">
+              <a14:hiddenLine xmlns:a14="http://schemas.microsoft.com/office/drawing/2010/main" w="9525">
+                <a:solidFill>
+                  <a:schemeClr val="tx1"/>
+                </a:solidFill>
+                <a:miter lim="800000"/>
+                <a:headEnd/>
+                <a:tailEnd/>
+              </a14:hiddenLine>
+            </a:ext>
+          </a:extLst>
+        </p:spPr>
+      </p:pic>
+    </p:spTree>
+    <p:extLst>
+      <p:ext uri="{BB962C8B-B14F-4D97-AF65-F5344CB8AC3E}">
+        <p14:creationId xmlns:p14="http://schemas.microsoft.com/office/powerpoint/2010/main" val="137615605"/>
+      </p:ext>
+    </p:extLst>
+  </p:cSld>
+  <p:clrMapOvr>
+    <a:masterClrMapping/>
+  </p:clrMapOvr>
+  <p:timing>
+    <p:tnLst>
+      <p:par>
+        <p:cTn id="1" dur="indefinite" restart="never" nodeType="tmRoot"/>
+      </p:par>
+    </p:tnLst>
+  </p:timing>
+</p:sld>
+</file>
+
+<file path=ppt/slides/slide2.xml><?xml version="1.0" encoding="utf-8"?>
+<p:sld xmlns:a="http://schemas.openxmlformats.org/drawingml/2006/main" xmlns:r="http://schemas.openxmlformats.org/officeDocument/2006/relationships" xmlns:p="http://schemas.openxmlformats.org/presentationml/2006/main">
+  <p:cSld>
+    <p:spTree>
+      <p:nvGrpSpPr>
+        <p:cNvPr id="1" name=""/>
+        <p:cNvGrpSpPr/>
+        <p:nvPr/>
+      </p:nvGrpSpPr>
+      <p:grpSpPr>
+        <a:xfrm>
+          <a:off x="0" y="0"/>
+          <a:ext cx="0" cy="0"/>
+          <a:chOff x="0" y="0"/>
+          <a:chExt cx="0" cy="0"/>
+        </a:xfrm>
+      </p:grpSpPr>
+      <p:sp>
+        <p:nvSpPr>
+          <p:cNvPr id="6146" name="Rectangle 2"/>
+          <p:cNvSpPr>
+            <a:spLocks noGrp="1" noChangeArrowheads="1"/>
+          </p:cNvSpPr>
+          <p:nvPr>
+            <p:ph type="title"/>
+          </p:nvPr>
+        </p:nvSpPr>
+        <p:spPr/>
+        <p:txBody>
+          <a:bodyPr/>
+          <a:lstStyle/>
+          <a:p>
+            <a:pPr eaLnBrk="1" hangingPunct="1"/>
+            <a:r>
+              <a:rPr lang="vi-VN" sz="3600" dirty="0" smtClean="0"/>
+              <a:t>Nội dung chính</a:t>
+            </a:r>
+          </a:p>
+        </p:txBody>
+      </p:sp>
+      <p:sp>
+        <p:nvSpPr>
+          <p:cNvPr id="6147" name="Rectangle 3"/>
+          <p:cNvSpPr>
+            <a:spLocks noGrp="1" noChangeArrowheads="1"/>
+          </p:cNvSpPr>
+          <p:nvPr>
+            <p:ph type="body" idx="1"/>
+          </p:nvPr>
+        </p:nvSpPr>
+        <p:spPr>
+          <a:xfrm>
+            <a:off x="611560" y="2017713"/>
+            <a:ext cx="8343528" cy="4114800"/>
+          </a:xfrm>
+        </p:spPr>
+        <p:txBody>
+          <a:bodyPr/>
+          <a:lstStyle/>
+          <a:p>
+            <a:pPr algn="just" eaLnBrk="1" hangingPunct="1">
+              <a:defRPr/>
+            </a:pPr>
+            <a:r>
+              <a:rPr lang="vi-VN" sz="2800" smtClean="0"/>
+              <a:t>Tính hội tụ </a:t>
+            </a:r>
+            <a:r>
+              <a:rPr lang="vi-VN" sz="2800" dirty="0" smtClean="0"/>
+              <a:t>của K-means</a:t>
+            </a:r>
+          </a:p>
+          <a:p>
+            <a:pPr algn="just" eaLnBrk="1" hangingPunct="1">
+              <a:defRPr/>
+            </a:pPr>
+            <a:r>
+              <a:rPr lang="vi-VN" sz="2800" dirty="0" smtClean="0">
+                <a:solidFill>
+                  <a:schemeClr val="bg1">
+                    <a:lumMod val="65000"/>
+                  </a:schemeClr>
+                </a:solidFill>
+              </a:rPr>
+              <a:t>Đánh </a:t>
+            </a:r>
+            <a:r>
+              <a:rPr lang="vi-VN" sz="2800" smtClean="0">
+                <a:solidFill>
+                  <a:schemeClr val="bg1">
+                    <a:lumMod val="65000"/>
+                  </a:schemeClr>
+                </a:solidFill>
+              </a:rPr>
+              <a:t>giá kết quả </a:t>
+            </a:r>
+            <a:r>
+              <a:rPr lang="vi-VN" sz="2800" dirty="0" smtClean="0">
+                <a:solidFill>
+                  <a:schemeClr val="bg1">
+                    <a:lumMod val="65000"/>
+                  </a:schemeClr>
+                </a:solidFill>
+              </a:rPr>
+              <a:t>chia cụm</a:t>
+            </a:r>
+          </a:p>
+        </p:txBody>
+      </p:sp>
+      <p:sp>
+        <p:nvSpPr>
+          <p:cNvPr id="2" name="Slide Number Placeholder 1"/>
+          <p:cNvSpPr>
+            <a:spLocks noGrp="1"/>
+          </p:cNvSpPr>
+          <p:nvPr>
+            <p:ph type="sldNum" sz="quarter" idx="12"/>
+          </p:nvPr>
+        </p:nvSpPr>
+        <p:spPr/>
+        <p:txBody>
+          <a:bodyPr/>
+          <a:lstStyle/>
+          <a:p>
+            <a:pPr>
+              <a:defRPr/>
+            </a:pPr>
+            <a:fld id="{A81E07A1-38DA-436E-9EB2-1E501CB9FFA7}" type="slidenum">
+              <a:rPr lang="vi-VN" smtClean="0"/>
+              <a:pPr>
+                <a:defRPr/>
+              </a:pPr>
+              <a:t>2</a:t>
+            </a:fld>
+            <a:endParaRPr lang="vi-VN"/>
+          </a:p>
+        </p:txBody>
+      </p:sp>
+    </p:spTree>
+    <p:extLst>
+      <p:ext uri="{BB962C8B-B14F-4D97-AF65-F5344CB8AC3E}">
+        <p14:creationId xmlns:p14="http://schemas.microsoft.com/office/powerpoint/2010/main" val="1540941927"/>
+      </p:ext>
+    </p:extLst>
+  </p:cSld>
+  <p:clrMapOvr>
+    <a:masterClrMapping/>
+  </p:clrMapOvr>
+  <p:timing>
+    <p:tnLst>
+      <p:par>
+        <p:cTn id="1" dur="indefinite" restart="never" nodeType="tmRoot"/>
+      </p:par>
+    </p:tnLst>
+  </p:timing>
+</p:sld>
+</file>
+
+<file path=ppt/slides/slide20.xml><?xml version="1.0" encoding="utf-8"?>
 <p:sld xmlns:a="http://schemas.openxmlformats.org/drawingml/2006/main" xmlns:r="http://schemas.openxmlformats.org/officeDocument/2006/relationships" xmlns:p="http://schemas.openxmlformats.org/presentationml/2006/main">
   <p:cSld>
     <p:spTree>
@@ -13888,7 +14335,7 @@
               <a:pPr>
                 <a:defRPr/>
               </a:pPr>
-              <a:t>19</a:t>
+              <a:t>20</a:t>
             </a:fld>
             <a:endParaRPr lang="vi-VN"/>
           </a:p>
@@ -14020,164 +14467,6 @@
             </p:seq>
           </p:childTnLst>
         </p:cTn>
-      </p:par>
-    </p:tnLst>
-  </p:timing>
-</p:sld>
-</file>
-
-<file path=ppt/slides/slide2.xml><?xml version="1.0" encoding="utf-8"?>
-<p:sld xmlns:a="http://schemas.openxmlformats.org/drawingml/2006/main" xmlns:r="http://schemas.openxmlformats.org/officeDocument/2006/relationships" xmlns:p="http://schemas.openxmlformats.org/presentationml/2006/main">
-  <p:cSld>
-    <p:spTree>
-      <p:nvGrpSpPr>
-        <p:cNvPr id="1" name=""/>
-        <p:cNvGrpSpPr/>
-        <p:nvPr/>
-      </p:nvGrpSpPr>
-      <p:grpSpPr>
-        <a:xfrm>
-          <a:off x="0" y="0"/>
-          <a:ext cx="0" cy="0"/>
-          <a:chOff x="0" y="0"/>
-          <a:chExt cx="0" cy="0"/>
-        </a:xfrm>
-      </p:grpSpPr>
-      <p:sp>
-        <p:nvSpPr>
-          <p:cNvPr id="6146" name="Rectangle 2"/>
-          <p:cNvSpPr>
-            <a:spLocks noGrp="1" noChangeArrowheads="1"/>
-          </p:cNvSpPr>
-          <p:nvPr>
-            <p:ph type="title"/>
-          </p:nvPr>
-        </p:nvSpPr>
-        <p:spPr/>
-        <p:txBody>
-          <a:bodyPr/>
-          <a:lstStyle/>
-          <a:p>
-            <a:pPr eaLnBrk="1" hangingPunct="1"/>
-            <a:r>
-              <a:rPr lang="vi-VN" sz="3600" dirty="0" smtClean="0"/>
-              <a:t>Nội dung chính</a:t>
-            </a:r>
-          </a:p>
-        </p:txBody>
-      </p:sp>
-      <p:sp>
-        <p:nvSpPr>
-          <p:cNvPr id="6147" name="Rectangle 3"/>
-          <p:cNvSpPr>
-            <a:spLocks noGrp="1" noChangeArrowheads="1"/>
-          </p:cNvSpPr>
-          <p:nvPr>
-            <p:ph type="body" idx="1"/>
-          </p:nvPr>
-        </p:nvSpPr>
-        <p:spPr>
-          <a:xfrm>
-            <a:off x="611560" y="2017713"/>
-            <a:ext cx="8343528" cy="4114800"/>
-          </a:xfrm>
-        </p:spPr>
-        <p:txBody>
-          <a:bodyPr/>
-          <a:lstStyle/>
-          <a:p>
-            <a:pPr algn="just" eaLnBrk="1" hangingPunct="1">
-              <a:defRPr/>
-            </a:pPr>
-            <a:r>
-              <a:rPr lang="vi-VN" sz="2800" smtClean="0"/>
-              <a:t>Tính hội tụ </a:t>
-            </a:r>
-            <a:r>
-              <a:rPr lang="vi-VN" sz="2800" dirty="0" smtClean="0"/>
-              <a:t>của K-means</a:t>
-            </a:r>
-          </a:p>
-          <a:p>
-            <a:pPr algn="just" eaLnBrk="1" hangingPunct="1">
-              <a:defRPr/>
-            </a:pPr>
-            <a:r>
-              <a:rPr lang="vi-VN" sz="2800" dirty="0" smtClean="0">
-                <a:solidFill>
-                  <a:schemeClr val="bg1">
-                    <a:lumMod val="65000"/>
-                  </a:schemeClr>
-                </a:solidFill>
-              </a:rPr>
-              <a:t>Đánh </a:t>
-            </a:r>
-            <a:r>
-              <a:rPr lang="vi-VN" sz="2800" smtClean="0">
-                <a:solidFill>
-                  <a:schemeClr val="bg1">
-                    <a:lumMod val="65000"/>
-                  </a:schemeClr>
-                </a:solidFill>
-              </a:rPr>
-              <a:t>giá kết quả </a:t>
-            </a:r>
-            <a:r>
-              <a:rPr lang="vi-VN" sz="2800" dirty="0" smtClean="0">
-                <a:solidFill>
-                  <a:schemeClr val="bg1">
-                    <a:lumMod val="65000"/>
-                  </a:schemeClr>
-                </a:solidFill>
-              </a:rPr>
-              <a:t>chia cụm</a:t>
-            </a:r>
-          </a:p>
-        </p:txBody>
-      </p:sp>
-      <p:sp>
-        <p:nvSpPr>
-          <p:cNvPr id="2" name="Slide Number Placeholder 1"/>
-          <p:cNvSpPr>
-            <a:spLocks noGrp="1"/>
-          </p:cNvSpPr>
-          <p:nvPr>
-            <p:ph type="sldNum" sz="quarter" idx="12"/>
-          </p:nvPr>
-        </p:nvSpPr>
-        <p:spPr/>
-        <p:txBody>
-          <a:bodyPr/>
-          <a:lstStyle/>
-          <a:p>
-            <a:pPr>
-              <a:defRPr/>
-            </a:pPr>
-            <a:fld id="{A81E07A1-38DA-436E-9EB2-1E501CB9FFA7}" type="slidenum">
-              <a:rPr lang="vi-VN" smtClean="0"/>
-              <a:pPr>
-                <a:defRPr/>
-              </a:pPr>
-              <a:t>2</a:t>
-            </a:fld>
-            <a:endParaRPr lang="vi-VN"/>
-          </a:p>
-        </p:txBody>
-      </p:sp>
-    </p:spTree>
-    <p:extLst>
-      <p:ext uri="{BB962C8B-B14F-4D97-AF65-F5344CB8AC3E}">
-        <p14:creationId xmlns:p14="http://schemas.microsoft.com/office/powerpoint/2010/main" val="1540941927"/>
-      </p:ext>
-    </p:extLst>
-  </p:cSld>
-  <p:clrMapOvr>
-    <a:masterClrMapping/>
-  </p:clrMapOvr>
-  <p:timing>
-    <p:tnLst>
-      <p:par>
-        <p:cTn id="1" dur="indefinite" restart="never" nodeType="tmRoot"/>
       </p:par>
     </p:tnLst>
   </p:timing>
@@ -17075,7 +17364,7 @@
   </a:extraClrSchemeLst>
   <a:extLst>
     <a:ext uri="{05A4C25C-085E-4340-85A3-A5531E510DB2}">
-      <thm15:themeFamily xmlns="" xmlns:thm15="http://schemas.microsoft.com/office/thememl/2012/main" name="Office Theme" id="{62F939B6-93AF-4DB8-9C6B-D6C7DFDC589F}" vid="{4A3C46E8-61CC-4603-A589-7422A47A8E4A}"/>
+      <thm15:themeFamily xmlns:thm15="http://schemas.microsoft.com/office/thememl/2012/main" xmlns="" name="Office Theme" id="{62F939B6-93AF-4DB8-9C6B-D6C7DFDC589F}" vid="{4A3C46E8-61CC-4603-A589-7422A47A8E4A}"/>
     </a:ext>
   </a:extLst>
 </a:theme>
@@ -17336,7 +17625,7 @@
   <a:extraClrSchemeLst/>
   <a:extLst>
     <a:ext uri="{05A4C25C-085E-4340-85A3-A5531E510DB2}">
-      <thm15:themeFamily xmlns="" xmlns:thm15="http://schemas.microsoft.com/office/thememl/2012/main" name="Office Theme" id="{62F939B6-93AF-4DB8-9C6B-D6C7DFDC589F}" vid="{4A3C46E8-61CC-4603-A589-7422A47A8E4A}"/>
+      <thm15:themeFamily xmlns:thm15="http://schemas.microsoft.com/office/thememl/2012/main" xmlns="" name="Office Theme" id="{62F939B6-93AF-4DB8-9C6B-D6C7DFDC589F}" vid="{4A3C46E8-61CC-4603-A589-7422A47A8E4A}"/>
     </a:ext>
   </a:extLst>
 </a:theme>

--- a/Bai 19 Chia cum van ban_p2.pptx
+++ b/Bai 19 Chia cum van ban_p2.pptx
@@ -5,7 +5,7 @@
     <p:sldMasterId id="2147483652" r:id="rId1"/>
   </p:sldMasterIdLst>
   <p:notesMasterIdLst>
-    <p:notesMasterId r:id="rId22"/>
+    <p:notesMasterId r:id="rId24"/>
   </p:notesMasterIdLst>
   <p:sldIdLst>
     <p:sldId id="313" r:id="rId2"/>
@@ -27,7 +27,9 @@
     <p:sldId id="574" r:id="rId18"/>
     <p:sldId id="575" r:id="rId19"/>
     <p:sldId id="576" r:id="rId20"/>
-    <p:sldId id="418" r:id="rId21"/>
+    <p:sldId id="577" r:id="rId21"/>
+    <p:sldId id="578" r:id="rId22"/>
+    <p:sldId id="418" r:id="rId23"/>
   </p:sldIdLst>
   <p:sldSz cx="9144000" cy="6858000" type="screen4x3"/>
   <p:notesSz cx="6858000" cy="9144000"/>
@@ -158,7 +160,7 @@
   </p:defaultTextStyle>
   <p:extLst>
     <p:ext uri="{EFAFB233-063F-42B5-8137-9DF3F51BA10A}">
-      <p15:sldGuideLst xmlns:p15="http://schemas.microsoft.com/office/powerpoint/2012/main" xmlns="">
+      <p15:sldGuideLst xmlns="" xmlns:p15="http://schemas.microsoft.com/office/powerpoint/2012/main">
         <p15:guide id="1" orient="horz" pos="2160">
           <p15:clr>
             <a:srgbClr val="A4A3A4"/>
@@ -13568,7 +13570,6 @@
               <a:rPr lang="en-US" sz="2800" noProof="1"/>
               <a:t>Từ điều kiện (ii) có suy ra được điều kiện (i) hay không?</a:t>
             </a:r>
-            <a:endParaRPr lang="en-US" sz="2800" noProof="1"/>
           </a:p>
         </p:txBody>
       </p:sp>
@@ -13812,11 +13813,7 @@
             <a:pPr eaLnBrk="1" hangingPunct="1"/>
             <a:r>
               <a:rPr lang="vi-VN" sz="3600" smtClean="0"/>
-              <a:t>Bài tập </a:t>
-            </a:r>
-            <a:r>
-              <a:rPr lang="vi-VN" sz="3600" smtClean="0"/>
-              <a:t>19.3</a:t>
+              <a:t>Bài tập 19.3</a:t>
             </a:r>
             <a:endParaRPr lang="vi-VN" sz="3600" dirty="0" smtClean="0"/>
           </a:p>
@@ -14240,6 +14237,266 @@
       </p:grpSpPr>
       <p:sp>
         <p:nvSpPr>
+          <p:cNvPr id="6146" name="Rectangle 2"/>
+          <p:cNvSpPr>
+            <a:spLocks noGrp="1" noChangeArrowheads="1"/>
+          </p:cNvSpPr>
+          <p:nvPr>
+            <p:ph type="title"/>
+          </p:nvPr>
+        </p:nvSpPr>
+        <p:spPr/>
+        <p:txBody>
+          <a:bodyPr/>
+          <a:lstStyle/>
+          <a:p>
+            <a:pPr eaLnBrk="1" hangingPunct="1"/>
+            <a:r>
+              <a:rPr lang="vi-VN" sz="3600" smtClean="0"/>
+              <a:t>Bài tập </a:t>
+            </a:r>
+            <a:r>
+              <a:rPr lang="vi-VN" sz="3600" smtClean="0"/>
+              <a:t>19.4</a:t>
+            </a:r>
+            <a:endParaRPr lang="vi-VN" sz="3600" dirty="0" smtClean="0"/>
+          </a:p>
+        </p:txBody>
+      </p:sp>
+      <p:sp>
+        <p:nvSpPr>
+          <p:cNvPr id="6147" name="Rectangle 3"/>
+          <p:cNvSpPr>
+            <a:spLocks noGrp="1" noChangeArrowheads="1"/>
+          </p:cNvSpPr>
+          <p:nvPr>
+            <p:ph type="body" idx="1"/>
+          </p:nvPr>
+        </p:nvSpPr>
+        <p:spPr>
+          <a:xfrm>
+            <a:off x="611560" y="2132856"/>
+            <a:ext cx="8343528" cy="3999656"/>
+          </a:xfrm>
+        </p:spPr>
+        <p:txBody>
+          <a:bodyPr/>
+          <a:lstStyle/>
+          <a:p>
+            <a:pPr marL="0" indent="0" algn="just" eaLnBrk="1" hangingPunct="1">
+              <a:buNone/>
+              <a:defRPr/>
+            </a:pPr>
+            <a:r>
+              <a:rPr lang="en-US" sz="2400" smtClean="0"/>
+              <a:t>Hãy lấy ví dụ một tập điểm và 3 trọng tâm ban đầu sao cho kết quả phân cụm 3-means hội tụ với cụm rỗng. (ii) Kết quả chia cụm với cụm rỗng có thể là kết quả tối ưu toàn cục theo RSS?</a:t>
+            </a:r>
+            <a:endParaRPr lang="en-US" sz="2400" dirty="0" smtClean="0"/>
+          </a:p>
+        </p:txBody>
+      </p:sp>
+      <p:sp>
+        <p:nvSpPr>
+          <p:cNvPr id="2" name="Slide Number Placeholder 1"/>
+          <p:cNvSpPr>
+            <a:spLocks noGrp="1"/>
+          </p:cNvSpPr>
+          <p:nvPr>
+            <p:ph type="sldNum" sz="quarter" idx="12"/>
+          </p:nvPr>
+        </p:nvSpPr>
+        <p:spPr/>
+        <p:txBody>
+          <a:bodyPr/>
+          <a:lstStyle/>
+          <a:p>
+            <a:pPr>
+              <a:defRPr/>
+            </a:pPr>
+            <a:fld id="{A81E07A1-38DA-436E-9EB2-1E501CB9FFA7}" type="slidenum">
+              <a:rPr lang="vi-VN" smtClean="0"/>
+              <a:pPr>
+                <a:defRPr/>
+              </a:pPr>
+              <a:t>20</a:t>
+            </a:fld>
+            <a:endParaRPr lang="vi-VN"/>
+          </a:p>
+        </p:txBody>
+      </p:sp>
+    </p:spTree>
+    <p:extLst>
+      <p:ext uri="{BB962C8B-B14F-4D97-AF65-F5344CB8AC3E}">
+        <p14:creationId xmlns:p14="http://schemas.microsoft.com/office/powerpoint/2010/main" val="1942487173"/>
+      </p:ext>
+    </p:extLst>
+  </p:cSld>
+  <p:clrMapOvr>
+    <a:masterClrMapping/>
+  </p:clrMapOvr>
+  <p:timing>
+    <p:tnLst>
+      <p:par>
+        <p:cTn id="1" dur="indefinite" restart="never" nodeType="tmRoot"/>
+      </p:par>
+    </p:tnLst>
+  </p:timing>
+</p:sld>
+</file>
+
+<file path=ppt/slides/slide21.xml><?xml version="1.0" encoding="utf-8"?>
+<p:sld xmlns:a="http://schemas.openxmlformats.org/drawingml/2006/main" xmlns:r="http://schemas.openxmlformats.org/officeDocument/2006/relationships" xmlns:p="http://schemas.openxmlformats.org/presentationml/2006/main">
+  <p:cSld>
+    <p:spTree>
+      <p:nvGrpSpPr>
+        <p:cNvPr id="1" name=""/>
+        <p:cNvGrpSpPr/>
+        <p:nvPr/>
+      </p:nvGrpSpPr>
+      <p:grpSpPr>
+        <a:xfrm>
+          <a:off x="0" y="0"/>
+          <a:ext cx="0" cy="0"/>
+          <a:chOff x="0" y="0"/>
+          <a:chExt cx="0" cy="0"/>
+        </a:xfrm>
+      </p:grpSpPr>
+      <p:sp>
+        <p:nvSpPr>
+          <p:cNvPr id="6146" name="Rectangle 2"/>
+          <p:cNvSpPr>
+            <a:spLocks noGrp="1" noChangeArrowheads="1"/>
+          </p:cNvSpPr>
+          <p:nvPr>
+            <p:ph type="title"/>
+          </p:nvPr>
+        </p:nvSpPr>
+        <p:spPr/>
+        <p:txBody>
+          <a:bodyPr/>
+          <a:lstStyle/>
+          <a:p>
+            <a:pPr eaLnBrk="1" hangingPunct="1"/>
+            <a:r>
+              <a:rPr lang="vi-VN" sz="3600" smtClean="0"/>
+              <a:t>Bài tập </a:t>
+            </a:r>
+            <a:r>
+              <a:rPr lang="vi-VN" sz="3600" smtClean="0"/>
+              <a:t>19.6</a:t>
+            </a:r>
+            <a:endParaRPr lang="vi-VN" sz="3600" dirty="0" smtClean="0"/>
+          </a:p>
+        </p:txBody>
+      </p:sp>
+      <p:sp>
+        <p:nvSpPr>
+          <p:cNvPr id="6147" name="Rectangle 3"/>
+          <p:cNvSpPr>
+            <a:spLocks noGrp="1" noChangeArrowheads="1"/>
+          </p:cNvSpPr>
+          <p:nvPr>
+            <p:ph type="body" idx="1"/>
+          </p:nvPr>
+        </p:nvSpPr>
+        <p:spPr>
+          <a:xfrm>
+            <a:off x="611560" y="2132856"/>
+            <a:ext cx="8343528" cy="3999656"/>
+          </a:xfrm>
+        </p:spPr>
+        <p:txBody>
+          <a:bodyPr/>
+          <a:lstStyle/>
+          <a:p>
+            <a:pPr marL="0" indent="0" algn="just" eaLnBrk="1" hangingPunct="1">
+              <a:buNone/>
+              <a:defRPr/>
+            </a:pPr>
+            <a:r>
+              <a:rPr lang="en-US" sz="2400" smtClean="0"/>
+              <a:t>Hãy chứng minh RSS</a:t>
+            </a:r>
+            <a:r>
+              <a:rPr lang="en-US" sz="2400" baseline="-25000" smtClean="0"/>
+              <a:t>min</a:t>
+            </a:r>
+            <a:r>
+              <a:rPr lang="en-US" sz="2400" smtClean="0"/>
+              <a:t>(K) là hàm đơn điệu giảm đối với biến K.</a:t>
+            </a:r>
+            <a:endParaRPr lang="en-US" sz="2400" dirty="0" smtClean="0"/>
+          </a:p>
+        </p:txBody>
+      </p:sp>
+      <p:sp>
+        <p:nvSpPr>
+          <p:cNvPr id="2" name="Slide Number Placeholder 1"/>
+          <p:cNvSpPr>
+            <a:spLocks noGrp="1"/>
+          </p:cNvSpPr>
+          <p:nvPr>
+            <p:ph type="sldNum" sz="quarter" idx="12"/>
+          </p:nvPr>
+        </p:nvSpPr>
+        <p:spPr/>
+        <p:txBody>
+          <a:bodyPr/>
+          <a:lstStyle/>
+          <a:p>
+            <a:pPr>
+              <a:defRPr/>
+            </a:pPr>
+            <a:fld id="{A81E07A1-38DA-436E-9EB2-1E501CB9FFA7}" type="slidenum">
+              <a:rPr lang="vi-VN" smtClean="0"/>
+              <a:pPr>
+                <a:defRPr/>
+              </a:pPr>
+              <a:t>21</a:t>
+            </a:fld>
+            <a:endParaRPr lang="vi-VN"/>
+          </a:p>
+        </p:txBody>
+      </p:sp>
+    </p:spTree>
+    <p:extLst>
+      <p:ext uri="{BB962C8B-B14F-4D97-AF65-F5344CB8AC3E}">
+        <p14:creationId xmlns:p14="http://schemas.microsoft.com/office/powerpoint/2010/main" val="3167741854"/>
+      </p:ext>
+    </p:extLst>
+  </p:cSld>
+  <p:clrMapOvr>
+    <a:masterClrMapping/>
+  </p:clrMapOvr>
+  <p:timing>
+    <p:tnLst>
+      <p:par>
+        <p:cTn id="1" dur="indefinite" restart="never" nodeType="tmRoot"/>
+      </p:par>
+    </p:tnLst>
+  </p:timing>
+</p:sld>
+</file>
+
+<file path=ppt/slides/slide22.xml><?xml version="1.0" encoding="utf-8"?>
+<p:sld xmlns:a="http://schemas.openxmlformats.org/drawingml/2006/main" xmlns:r="http://schemas.openxmlformats.org/officeDocument/2006/relationships" xmlns:p="http://schemas.openxmlformats.org/presentationml/2006/main">
+  <p:cSld>
+    <p:spTree>
+      <p:nvGrpSpPr>
+        <p:cNvPr id="1" name=""/>
+        <p:cNvGrpSpPr/>
+        <p:nvPr/>
+      </p:nvGrpSpPr>
+      <p:grpSpPr>
+        <a:xfrm>
+          <a:off x="0" y="0"/>
+          <a:ext cx="0" cy="0"/>
+          <a:chOff x="0" y="0"/>
+          <a:chExt cx="0" cy="0"/>
+        </a:xfrm>
+      </p:grpSpPr>
+      <p:sp>
+        <p:nvSpPr>
           <p:cNvPr id="18434" name="Rectangle 2"/>
           <p:cNvSpPr>
             <a:spLocks noGrp="1" noChangeArrowheads="1"/>
@@ -14335,7 +14592,7 @@
               <a:pPr>
                 <a:defRPr/>
               </a:pPr>
-              <a:t>20</a:t>
+              <a:t>22</a:t>
             </a:fld>
             <a:endParaRPr lang="vi-VN"/>
           </a:p>
@@ -17364,7 +17621,7 @@
   </a:extraClrSchemeLst>
   <a:extLst>
     <a:ext uri="{05A4C25C-085E-4340-85A3-A5531E510DB2}">
-      <thm15:themeFamily xmlns:thm15="http://schemas.microsoft.com/office/thememl/2012/main" xmlns="" name="Office Theme" id="{62F939B6-93AF-4DB8-9C6B-D6C7DFDC589F}" vid="{4A3C46E8-61CC-4603-A589-7422A47A8E4A}"/>
+      <thm15:themeFamily xmlns="" xmlns:thm15="http://schemas.microsoft.com/office/thememl/2012/main" name="Office Theme" id="{62F939B6-93AF-4DB8-9C6B-D6C7DFDC589F}" vid="{4A3C46E8-61CC-4603-A589-7422A47A8E4A}"/>
     </a:ext>
   </a:extLst>
 </a:theme>
@@ -17625,7 +17882,7 @@
   <a:extraClrSchemeLst/>
   <a:extLst>
     <a:ext uri="{05A4C25C-085E-4340-85A3-A5531E510DB2}">
-      <thm15:themeFamily xmlns:thm15="http://schemas.microsoft.com/office/thememl/2012/main" xmlns="" name="Office Theme" id="{62F939B6-93AF-4DB8-9C6B-D6C7DFDC589F}" vid="{4A3C46E8-61CC-4603-A589-7422A47A8E4A}"/>
+      <thm15:themeFamily xmlns="" xmlns:thm15="http://schemas.microsoft.com/office/thememl/2012/main" name="Office Theme" id="{62F939B6-93AF-4DB8-9C6B-D6C7DFDC589F}" vid="{4A3C46E8-61CC-4603-A589-7422A47A8E4A}"/>
     </a:ext>
   </a:extLst>
 </a:theme>

--- a/Bai 19 Chia cum van ban_p2.pptx
+++ b/Bai 19 Chia cum van ban_p2.pptx
@@ -160,7 +160,7 @@
   </p:defaultTextStyle>
   <p:extLst>
     <p:ext uri="{EFAFB233-063F-42B5-8137-9DF3F51BA10A}">
-      <p15:sldGuideLst xmlns="" xmlns:p15="http://schemas.microsoft.com/office/powerpoint/2012/main">
+      <p15:sldGuideLst xmlns:p15="http://schemas.microsoft.com/office/powerpoint/2012/main" xmlns="">
         <p15:guide id="1" orient="horz" pos="2160">
           <p15:clr>
             <a:srgbClr val="A4A3A4"/>
@@ -14257,7 +14257,11 @@
             </a:r>
             <a:r>
               <a:rPr lang="vi-VN" sz="3600" smtClean="0"/>
-              <a:t>19.4</a:t>
+              <a:t>19.</a:t>
+            </a:r>
+            <a:r>
+              <a:rPr lang="en-US" sz="3600" smtClean="0"/>
+              <a:t>5</a:t>
             </a:r>
             <a:endParaRPr lang="vi-VN" sz="3600" dirty="0" smtClean="0"/>
           </a:p>
@@ -14379,11 +14383,7 @@
             <a:pPr eaLnBrk="1" hangingPunct="1"/>
             <a:r>
               <a:rPr lang="vi-VN" sz="3600" smtClean="0"/>
-              <a:t>Bài tập </a:t>
-            </a:r>
-            <a:r>
-              <a:rPr lang="vi-VN" sz="3600" smtClean="0"/>
-              <a:t>19.6</a:t>
+              <a:t>Bài tập 19.6</a:t>
             </a:r>
             <a:endParaRPr lang="vi-VN" sz="3600" dirty="0" smtClean="0"/>
           </a:p>
@@ -17621,7 +17621,7 @@
   </a:extraClrSchemeLst>
   <a:extLst>
     <a:ext uri="{05A4C25C-085E-4340-85A3-A5531E510DB2}">
-      <thm15:themeFamily xmlns="" xmlns:thm15="http://schemas.microsoft.com/office/thememl/2012/main" name="Office Theme" id="{62F939B6-93AF-4DB8-9C6B-D6C7DFDC589F}" vid="{4A3C46E8-61CC-4603-A589-7422A47A8E4A}"/>
+      <thm15:themeFamily xmlns:thm15="http://schemas.microsoft.com/office/thememl/2012/main" xmlns="" name="Office Theme" id="{62F939B6-93AF-4DB8-9C6B-D6C7DFDC589F}" vid="{4A3C46E8-61CC-4603-A589-7422A47A8E4A}"/>
     </a:ext>
   </a:extLst>
 </a:theme>
@@ -17882,7 +17882,7 @@
   <a:extraClrSchemeLst/>
   <a:extLst>
     <a:ext uri="{05A4C25C-085E-4340-85A3-A5531E510DB2}">
-      <thm15:themeFamily xmlns="" xmlns:thm15="http://schemas.microsoft.com/office/thememl/2012/main" name="Office Theme" id="{62F939B6-93AF-4DB8-9C6B-D6C7DFDC589F}" vid="{4A3C46E8-61CC-4603-A589-7422A47A8E4A}"/>
+      <thm15:themeFamily xmlns:thm15="http://schemas.microsoft.com/office/thememl/2012/main" xmlns="" name="Office Theme" id="{62F939B6-93AF-4DB8-9C6B-D6C7DFDC589F}" vid="{4A3C46E8-61CC-4603-A589-7422A47A8E4A}"/>
     </a:ext>
   </a:extLst>
 </a:theme>

--- a/Bai 19 Chia cum van ban_p2.pptx
+++ b/Bai 19 Chia cum van ban_p2.pptx
@@ -160,7 +160,7 @@
   </p:defaultTextStyle>
   <p:extLst>
     <p:ext uri="{EFAFB233-063F-42B5-8137-9DF3F51BA10A}">
-      <p15:sldGuideLst xmlns:p15="http://schemas.microsoft.com/office/powerpoint/2012/main" xmlns="">
+      <p15:sldGuideLst xmlns="" xmlns:p15="http://schemas.microsoft.com/office/powerpoint/2012/main">
         <p15:guide id="1" orient="horz" pos="2160">
           <p15:clr>
             <a:srgbClr val="A4A3A4"/>
@@ -14253,11 +14253,7 @@
             <a:pPr eaLnBrk="1" hangingPunct="1"/>
             <a:r>
               <a:rPr lang="vi-VN" sz="3600" smtClean="0"/>
-              <a:t>Bài tập </a:t>
-            </a:r>
-            <a:r>
-              <a:rPr lang="vi-VN" sz="3600" smtClean="0"/>
-              <a:t>19.</a:t>
+              <a:t>Bài tập 19.</a:t>
             </a:r>
             <a:r>
               <a:rPr lang="en-US" sz="3600" smtClean="0"/>
@@ -14983,8 +14979,8 @@
           </a:p>
         </p:txBody>
       </p:sp>
-      <mc:AlternateContent xmlns:mc="http://schemas.openxmlformats.org/markup-compatibility/2006" xmlns:a14="http://schemas.microsoft.com/office/drawing/2010/main">
-        <mc:Choice Requires="a14">
+      <mc:AlternateContent xmlns:mc="http://schemas.openxmlformats.org/markup-compatibility/2006">
+        <mc:Choice xmlns:a14="http://schemas.microsoft.com/office/drawing/2010/main" Requires="a14">
           <p:sp>
             <p:nvSpPr>
               <p:cNvPr id="6147" name="Rectangle 3"/>
@@ -14997,7 +14993,7 @@
             </p:nvSpPr>
             <p:spPr>
               <a:xfrm>
-                <a:off x="611560" y="2017713"/>
+                <a:off x="611560" y="2089721"/>
                 <a:ext cx="8343528" cy="3427511"/>
               </a:xfrm>
             </p:spPr>
@@ -16062,7 +16058,7 @@
             </p:txBody>
           </p:sp>
         </mc:Choice>
-        <mc:Fallback xmlns="">
+        <mc:Fallback>
           <p:sp>
             <p:nvSpPr>
               <p:cNvPr id="6147" name="Rectangle 3"/>
@@ -16075,7 +16071,7 @@
             </p:nvSpPr>
             <p:spPr>
               <a:xfrm>
-                <a:off x="611560" y="2017713"/>
+                <a:off x="611560" y="2089721"/>
                 <a:ext cx="8343528" cy="3427511"/>
               </a:xfrm>
               <a:blipFill rotWithShape="1">
@@ -17621,7 +17617,7 @@
   </a:extraClrSchemeLst>
   <a:extLst>
     <a:ext uri="{05A4C25C-085E-4340-85A3-A5531E510DB2}">
-      <thm15:themeFamily xmlns:thm15="http://schemas.microsoft.com/office/thememl/2012/main" xmlns="" name="Office Theme" id="{62F939B6-93AF-4DB8-9C6B-D6C7DFDC589F}" vid="{4A3C46E8-61CC-4603-A589-7422A47A8E4A}"/>
+      <thm15:themeFamily xmlns="" xmlns:thm15="http://schemas.microsoft.com/office/thememl/2012/main" name="Office Theme" id="{62F939B6-93AF-4DB8-9C6B-D6C7DFDC589F}" vid="{4A3C46E8-61CC-4603-A589-7422A47A8E4A}"/>
     </a:ext>
   </a:extLst>
 </a:theme>
@@ -17882,7 +17878,7 @@
   <a:extraClrSchemeLst/>
   <a:extLst>
     <a:ext uri="{05A4C25C-085E-4340-85A3-A5531E510DB2}">
-      <thm15:themeFamily xmlns:thm15="http://schemas.microsoft.com/office/thememl/2012/main" xmlns="" name="Office Theme" id="{62F939B6-93AF-4DB8-9C6B-D6C7DFDC589F}" vid="{4A3C46E8-61CC-4603-A589-7422A47A8E4A}"/>
+      <thm15:themeFamily xmlns="" xmlns:thm15="http://schemas.microsoft.com/office/thememl/2012/main" name="Office Theme" id="{62F939B6-93AF-4DB8-9C6B-D6C7DFDC589F}" vid="{4A3C46E8-61CC-4603-A589-7422A47A8E4A}"/>
     </a:ext>
   </a:extLst>
 </a:theme>
